--- a/Vagrant.pptx
+++ b/Vagrant.pptx
@@ -4649,7 +4649,6 @@
               <a:rPr lang="de-DE" dirty="0" smtClean="0"/>
               <a:t>on</a:t>
             </a:r>
-            <a:endParaRPr lang="de-DE" dirty="0" smtClean="0"/>
           </a:p>
           <a:p>
             <a:r>
@@ -4950,7 +4949,6 @@
               <a:rPr lang="de-DE" dirty="0" smtClean="0"/>
               <a:t> --provision</a:t>
             </a:r>
-            <a:endParaRPr lang="de-DE" dirty="0" smtClean="0"/>
           </a:p>
           <a:p>
             <a:r>
@@ -4959,8 +4957,27 @@
             </a:r>
             <a:r>
               <a:rPr lang="de-DE" dirty="0" smtClean="0"/>
-              <a:t> box update</a:t>
-            </a:r>
+              <a:t> box </a:t>
+            </a:r>
+            <a:r>
+              <a:rPr lang="de-DE" dirty="0" smtClean="0"/>
+              <a:t>update</a:t>
+            </a:r>
+          </a:p>
+          <a:p>
+            <a:r>
+              <a:rPr lang="de-DE" dirty="0" err="1"/>
+              <a:t>v</a:t>
+            </a:r>
+            <a:r>
+              <a:rPr lang="de-DE" smtClean="0"/>
+              <a:t>agrant</a:t>
+            </a:r>
+            <a:r>
+              <a:rPr lang="de-DE" dirty="0" smtClean="0"/>
+              <a:t> halt</a:t>
+            </a:r>
+            <a:endParaRPr lang="de-DE" dirty="0" smtClean="0"/>
           </a:p>
           <a:p>
             <a:r>
